--- a/Idea/PLEDGE TO PROGRESS.pptx
+++ b/Idea/PLEDGE TO PROGRESS.pptx
@@ -201,7 +201,7 @@
             <a:fld id="{94AE006C-E0D1-4F3B-B9A2-A42AFED37858}" type="datetimeFigureOut">
               <a:rPr lang="en-US" smtClean="0"/>
               <a:pPr/>
-              <a:t>5/10/2023</a:t>
+              <a:t>5/13/2023</a:t>
             </a:fld>
             <a:endParaRPr lang="en-US"/>
           </a:p>
@@ -584,7 +584,7 @@
     </p:spTree>
     <p:extLst>
       <p:ext uri="{BB962C8B-B14F-4D97-AF65-F5344CB8AC3E}">
-        <p14:creationId xmlns:p14="http://schemas.microsoft.com/office/powerpoint/2010/main" xmlns="" val="2033296603"/>
+        <p14:creationId xmlns="" xmlns:p14="http://schemas.microsoft.com/office/powerpoint/2010/main" val="2033296603"/>
       </p:ext>
     </p:extLst>
   </p:cSld>
@@ -711,7 +711,7 @@
     </p:spTree>
     <p:extLst>
       <p:ext uri="{BB962C8B-B14F-4D97-AF65-F5344CB8AC3E}">
-        <p14:creationId xmlns:p14="http://schemas.microsoft.com/office/powerpoint/2010/main" xmlns="" val="3993869417"/>
+        <p14:creationId xmlns="" xmlns:p14="http://schemas.microsoft.com/office/powerpoint/2010/main" val="3993869417"/>
       </p:ext>
     </p:extLst>
   </p:cSld>
@@ -903,7 +903,7 @@
             <a:fld id="{1CEF4B7A-B8E9-43FE-8C38-7CDB82B6A5D6}" type="datetimeFigureOut">
               <a:rPr lang="en-US" smtClean="0"/>
               <a:pPr/>
-              <a:t>5/10/2023</a:t>
+              <a:t>5/13/2023</a:t>
             </a:fld>
             <a:endParaRPr lang="en-US"/>
           </a:p>
@@ -1070,7 +1070,7 @@
             <a:fld id="{1CEF4B7A-B8E9-43FE-8C38-7CDB82B6A5D6}" type="datetimeFigureOut">
               <a:rPr lang="en-US" smtClean="0"/>
               <a:pPr/>
-              <a:t>5/10/2023</a:t>
+              <a:t>5/13/2023</a:t>
             </a:fld>
             <a:endParaRPr lang="en-US"/>
           </a:p>
@@ -1247,7 +1247,7 @@
             <a:fld id="{1CEF4B7A-B8E9-43FE-8C38-7CDB82B6A5D6}" type="datetimeFigureOut">
               <a:rPr lang="en-US" smtClean="0"/>
               <a:pPr/>
-              <a:t>5/10/2023</a:t>
+              <a:t>5/13/2023</a:t>
             </a:fld>
             <a:endParaRPr lang="en-US"/>
           </a:p>
@@ -1414,7 +1414,7 @@
             <a:fld id="{1CEF4B7A-B8E9-43FE-8C38-7CDB82B6A5D6}" type="datetimeFigureOut">
               <a:rPr lang="en-US" smtClean="0"/>
               <a:pPr/>
-              <a:t>5/10/2023</a:t>
+              <a:t>5/13/2023</a:t>
             </a:fld>
             <a:endParaRPr lang="en-US"/>
           </a:p>
@@ -1657,7 +1657,7 @@
             <a:fld id="{1CEF4B7A-B8E9-43FE-8C38-7CDB82B6A5D6}" type="datetimeFigureOut">
               <a:rPr lang="en-US" smtClean="0"/>
               <a:pPr/>
-              <a:t>5/10/2023</a:t>
+              <a:t>5/13/2023</a:t>
             </a:fld>
             <a:endParaRPr lang="en-US"/>
           </a:p>
@@ -1942,7 +1942,7 @@
             <a:fld id="{1CEF4B7A-B8E9-43FE-8C38-7CDB82B6A5D6}" type="datetimeFigureOut">
               <a:rPr lang="en-US" smtClean="0"/>
               <a:pPr/>
-              <a:t>5/10/2023</a:t>
+              <a:t>5/13/2023</a:t>
             </a:fld>
             <a:endParaRPr lang="en-US"/>
           </a:p>
@@ -2361,7 +2361,7 @@
             <a:fld id="{1CEF4B7A-B8E9-43FE-8C38-7CDB82B6A5D6}" type="datetimeFigureOut">
               <a:rPr lang="en-US" smtClean="0"/>
               <a:pPr/>
-              <a:t>5/10/2023</a:t>
+              <a:t>5/13/2023</a:t>
             </a:fld>
             <a:endParaRPr lang="en-US"/>
           </a:p>
@@ -2476,7 +2476,7 @@
             <a:fld id="{1CEF4B7A-B8E9-43FE-8C38-7CDB82B6A5D6}" type="datetimeFigureOut">
               <a:rPr lang="en-US" smtClean="0"/>
               <a:pPr/>
-              <a:t>5/10/2023</a:t>
+              <a:t>5/13/2023</a:t>
             </a:fld>
             <a:endParaRPr lang="en-US"/>
           </a:p>
@@ -2568,7 +2568,7 @@
             <a:fld id="{1CEF4B7A-B8E9-43FE-8C38-7CDB82B6A5D6}" type="datetimeFigureOut">
               <a:rPr lang="en-US" smtClean="0"/>
               <a:pPr/>
-              <a:t>5/10/2023</a:t>
+              <a:t>5/13/2023</a:t>
             </a:fld>
             <a:endParaRPr lang="en-US"/>
           </a:p>
@@ -2842,7 +2842,7 @@
             <a:fld id="{1CEF4B7A-B8E9-43FE-8C38-7CDB82B6A5D6}" type="datetimeFigureOut">
               <a:rPr lang="en-US" smtClean="0"/>
               <a:pPr/>
-              <a:t>5/10/2023</a:t>
+              <a:t>5/13/2023</a:t>
             </a:fld>
             <a:endParaRPr lang="en-US"/>
           </a:p>
@@ -3092,7 +3092,7 @@
             <a:fld id="{1CEF4B7A-B8E9-43FE-8C38-7CDB82B6A5D6}" type="datetimeFigureOut">
               <a:rPr lang="en-US" smtClean="0"/>
               <a:pPr/>
-              <a:t>5/10/2023</a:t>
+              <a:t>5/13/2023</a:t>
             </a:fld>
             <a:endParaRPr lang="en-US"/>
           </a:p>
@@ -3302,7 +3302,7 @@
             <a:fld id="{1CEF4B7A-B8E9-43FE-8C38-7CDB82B6A5D6}" type="datetimeFigureOut">
               <a:rPr lang="en-US" smtClean="0"/>
               <a:pPr/>
-              <a:t>5/10/2023</a:t>
+              <a:t>5/13/2023</a:t>
             </a:fld>
             <a:endParaRPr lang="en-US"/>
           </a:p>
@@ -3778,7 +3778,7 @@
           <p:cNvPr id="3" name="TextBox 2">
             <a:extLst>
               <a:ext uri="{FF2B5EF4-FFF2-40B4-BE49-F238E27FC236}">
-                <a16:creationId xmlns:a16="http://schemas.microsoft.com/office/drawing/2014/main" xmlns="" id="{73B09F0C-9305-F81E-8C8D-F8F09E48E395}"/>
+                <a16:creationId xmlns="" xmlns:a16="http://schemas.microsoft.com/office/drawing/2014/main" id="{73B09F0C-9305-F81E-8C8D-F8F09E48E395}"/>
               </a:ext>
             </a:extLst>
           </p:cNvPr>
@@ -3861,7 +3861,7 @@
           <p:cNvPr id="4" name="Picture 4" descr="Icon&#10;&#10;Description automatically generated">
             <a:extLst>
               <a:ext uri="{FF2B5EF4-FFF2-40B4-BE49-F238E27FC236}">
-                <a16:creationId xmlns:a16="http://schemas.microsoft.com/office/drawing/2014/main" xmlns="" id="{15B5F3E5-9DE2-FBB2-2CAA-472E13986A92}"/>
+                <a16:creationId xmlns="" xmlns:a16="http://schemas.microsoft.com/office/drawing/2014/main" id="{15B5F3E5-9DE2-FBB2-2CAA-472E13986A92}"/>
               </a:ext>
             </a:extLst>
           </p:cNvPr>
@@ -3891,7 +3891,7 @@
           <p:cNvPr id="5" name="Picture 5">
             <a:extLst>
               <a:ext uri="{FF2B5EF4-FFF2-40B4-BE49-F238E27FC236}">
-                <a16:creationId xmlns:a16="http://schemas.microsoft.com/office/drawing/2014/main" xmlns="" id="{AA6BE92B-146D-4C5F-CC04-D9C78289EC5A}"/>
+                <a16:creationId xmlns="" xmlns:a16="http://schemas.microsoft.com/office/drawing/2014/main" id="{AA6BE92B-146D-4C5F-CC04-D9C78289EC5A}"/>
               </a:ext>
             </a:extLst>
           </p:cNvPr>
@@ -3921,7 +3921,7 @@
           <p:cNvPr id="6" name="Google Shape;348;p2">
             <a:extLst>
               <a:ext uri="{FF2B5EF4-FFF2-40B4-BE49-F238E27FC236}">
-                <a16:creationId xmlns:a16="http://schemas.microsoft.com/office/drawing/2014/main" xmlns="" id="{8561F6BE-8E57-72D1-3C5A-86BC6D2934D5}"/>
+                <a16:creationId xmlns="" xmlns:a16="http://schemas.microsoft.com/office/drawing/2014/main" id="{8561F6BE-8E57-72D1-3C5A-86BC6D2934D5}"/>
               </a:ext>
             </a:extLst>
           </p:cNvPr>
@@ -3963,7 +3963,7 @@
     </p:spTree>
     <p:extLst>
       <p:ext uri="{BB962C8B-B14F-4D97-AF65-F5344CB8AC3E}">
-        <p14:creationId xmlns:p14="http://schemas.microsoft.com/office/powerpoint/2010/main" xmlns="" val="1043172598"/>
+        <p14:creationId xmlns="" xmlns:p14="http://schemas.microsoft.com/office/powerpoint/2010/main" val="1043172598"/>
       </p:ext>
     </p:extLst>
   </p:cSld>
@@ -4090,14 +4090,14 @@
               <a:buNone/>
             </a:pPr>
             <a:r>
-              <a:rPr lang="en-US" dirty="0" smtClean="0">
+              <a:rPr lang="en-US" sz="1600" dirty="0" smtClean="0">
                 <a:solidFill>
                   <a:srgbClr val="222222"/>
                 </a:solidFill>
                 <a:highlight>
                   <a:srgbClr val="FFFFFF"/>
                 </a:highlight>
-                <a:latin typeface="Lato"/>
+                <a:latin typeface="Bahnschrift Light" pitchFamily="34" charset="0"/>
                 <a:ea typeface="Lato"/>
                 <a:cs typeface="Lato"/>
                 <a:sym typeface="Lato"/>
@@ -4105,14 +4105,14 @@
               <a:t>H</a:t>
             </a:r>
             <a:r>
-              <a:rPr lang="en" dirty="0" smtClean="0">
+              <a:rPr lang="en" sz="1600" dirty="0" smtClean="0">
                 <a:solidFill>
                   <a:srgbClr val="222222"/>
                 </a:solidFill>
                 <a:highlight>
                   <a:srgbClr val="FFFFFF"/>
                 </a:highlight>
-                <a:latin typeface="Lato"/>
+                <a:latin typeface="Bahnschrift Light" pitchFamily="34" charset="0"/>
                 <a:ea typeface="Lato"/>
                 <a:cs typeface="Lato"/>
                 <a:sym typeface="Lato"/>
@@ -4138,14 +4138,14 @@
               <a:buFont typeface="Arial"/>
               <a:buNone/>
             </a:pPr>
-            <a:endParaRPr lang="en" sz="1400" b="0" i="0" u="none" strike="noStrike" cap="none" dirty="0" smtClean="0">
+            <a:endParaRPr lang="en" sz="1600" b="0" i="0" u="none" strike="noStrike" cap="none" dirty="0" smtClean="0">
               <a:solidFill>
                 <a:srgbClr val="222222"/>
               </a:solidFill>
               <a:highlight>
                 <a:srgbClr val="FFFFFF"/>
               </a:highlight>
-              <a:latin typeface="Lato"/>
+              <a:latin typeface="Bahnschrift Light" pitchFamily="34" charset="0"/>
               <a:ea typeface="Lato"/>
               <a:cs typeface="Lato"/>
               <a:sym typeface="Lato"/>
@@ -4170,55 +4170,85 @@
               <a:buNone/>
             </a:pPr>
             <a:r>
-              <a:rPr lang="en" sz="1400" b="0" i="0" u="none" strike="noStrike" cap="none" dirty="0" smtClean="0">
+              <a:rPr lang="en" sz="1600" b="0" i="0" u="none" strike="noStrike" cap="none" dirty="0" smtClean="0">
                 <a:solidFill>
                   <a:srgbClr val="222222"/>
                 </a:solidFill>
                 <a:highlight>
                   <a:srgbClr val="FFFFFF"/>
                 </a:highlight>
-                <a:latin typeface="Lato"/>
+                <a:latin typeface="Bahnschrift Light" pitchFamily="34" charset="0"/>
                 <a:ea typeface="Lato"/>
                 <a:cs typeface="Lato"/>
                 <a:sym typeface="Lato"/>
               </a:rPr>
-              <a:t>But we are still not doing enough for making  world  livable.Can we do </a:t>
-            </a:r>
-            <a:r>
-              <a:rPr lang="en" sz="1400" b="0" i="0" u="none" strike="noStrike" cap="none" dirty="0" smtClean="0">
+              <a:t>But we are still not doing enough for making  world  </a:t>
+            </a:r>
+            <a:r>
+              <a:rPr lang="en" sz="1600" b="0" i="0" u="none" strike="noStrike" cap="none" dirty="0" smtClean="0">
                 <a:solidFill>
                   <a:srgbClr val="222222"/>
                 </a:solidFill>
                 <a:highlight>
                   <a:srgbClr val="FFFFFF"/>
                 </a:highlight>
-                <a:latin typeface="Lato"/>
+                <a:latin typeface="Bahnschrift Light" pitchFamily="34" charset="0"/>
                 <a:ea typeface="Lato"/>
                 <a:cs typeface="Lato"/>
                 <a:sym typeface="Lato"/>
               </a:rPr>
-              <a:t>something </a:t>
-            </a:r>
-            <a:r>
-              <a:rPr lang="en" sz="1400" b="0" i="0" u="none" strike="noStrike" cap="none" dirty="0" smtClean="0">
+              <a:t>livable place.United nation has classified 17 areas of work and tackling climate issue is one of them and the most pressing issue. But it does not mean we ignore others.... </a:t>
+            </a:r>
+            <a:r>
+              <a:rPr lang="en-US" sz="1600" dirty="0" smtClean="0">
                 <a:solidFill>
                   <a:srgbClr val="222222"/>
                 </a:solidFill>
                 <a:highlight>
                   <a:srgbClr val="FFFFFF"/>
                 </a:highlight>
-                <a:latin typeface="Lato"/>
+                <a:latin typeface="Bahnschrift Light" pitchFamily="34" charset="0"/>
                 <a:ea typeface="Lato"/>
                 <a:cs typeface="Lato"/>
                 <a:sym typeface="Lato"/>
               </a:rPr>
-              <a:t>?</a:t>
-            </a:r>
-            <a:endParaRPr sz="1400" b="0" i="0" u="none" strike="noStrike" cap="none" dirty="0">
+              <a:t>F</a:t>
+            </a:r>
+            <a:r>
+              <a:rPr lang="en" sz="1600" dirty="0" smtClean="0">
+                <a:solidFill>
+                  <a:srgbClr val="222222"/>
+                </a:solidFill>
+                <a:highlight>
+                  <a:srgbClr val="FFFFFF"/>
+                </a:highlight>
+                <a:latin typeface="Bahnschrift Light" pitchFamily="34" charset="0"/>
+                <a:ea typeface="Lato"/>
+                <a:cs typeface="Lato"/>
+                <a:sym typeface="Lato"/>
+              </a:rPr>
+              <a:t>or me a sustainable solution is the one which</a:t>
+            </a:r>
+            <a:r>
+              <a:rPr lang="en" sz="1600" b="0" i="0" u="none" strike="noStrike" cap="none" dirty="0" smtClean="0">
+                <a:solidFill>
+                  <a:srgbClr val="222222"/>
+                </a:solidFill>
+                <a:highlight>
+                  <a:srgbClr val="FFFFFF"/>
+                </a:highlight>
+                <a:latin typeface="Bahnschrift Light" pitchFamily="34" charset="0"/>
+                <a:ea typeface="Lato"/>
+                <a:cs typeface="Lato"/>
+                <a:sym typeface="Lato"/>
+              </a:rPr>
+              <a:t> can make planet greener and more livable at the same time.</a:t>
+            </a:r>
+            <a:endParaRPr sz="1600" b="0" i="0" u="none" strike="noStrike" cap="none" dirty="0">
               <a:solidFill>
                 <a:srgbClr val="000000"/>
               </a:solidFill>
-              <a:latin typeface="Lato"/>
+              <a:latin typeface="Bahnschrift Light" pitchFamily="34" charset="0"/>
               <a:ea typeface="Lato"/>
               <a:cs typeface="Lato"/>
               <a:sym typeface="Lato"/>
@@ -4231,7 +4261,7 @@
           <p:cNvPr id="3" name="Picture 4" descr="Icon&#10;&#10;Description automatically generated">
             <a:extLst>
               <a:ext uri="{FF2B5EF4-FFF2-40B4-BE49-F238E27FC236}">
-                <a16:creationId xmlns:a16="http://schemas.microsoft.com/office/drawing/2014/main" xmlns="" id="{84FDAFF1-F028-998B-01F6-CB3B1453B60E}"/>
+                <a16:creationId xmlns="" xmlns:a16="http://schemas.microsoft.com/office/drawing/2014/main" id="{84FDAFF1-F028-998B-01F6-CB3B1453B60E}"/>
               </a:ext>
             </a:extLst>
           </p:cNvPr>
@@ -4272,7 +4302,7 @@
         </p:blipFill>
         <p:spPr>
           <a:xfrm>
-            <a:off x="2438400" y="3657600"/>
+            <a:off x="2438400" y="3886200"/>
             <a:ext cx="4572000" cy="2057400"/>
           </a:xfrm>
           <a:prstGeom prst="rect">
@@ -4283,7 +4313,7 @@
     </p:spTree>
     <p:extLst>
       <p:ext uri="{BB962C8B-B14F-4D97-AF65-F5344CB8AC3E}">
-        <p14:creationId xmlns:p14="http://schemas.microsoft.com/office/powerpoint/2010/main" xmlns="" val="852976915"/>
+        <p14:creationId xmlns="" xmlns:p14="http://schemas.microsoft.com/office/powerpoint/2010/main" val="852976915"/>
       </p:ext>
     </p:extLst>
   </p:cSld>
@@ -4334,7 +4364,15 @@
           <a:p>
             <a:r>
               <a:rPr lang="en-US" dirty="0" smtClean="0"/>
-              <a:t>You have taken first step…</a:t>
+              <a:t>Microsoft</a:t>
+            </a:r>
+            <a:r>
+              <a:rPr lang="en-US" dirty="0" smtClean="0"/>
+              <a:t> </a:t>
+            </a:r>
+            <a:r>
+              <a:rPr lang="en-US" dirty="0" smtClean="0"/>
+              <a:t>have taken first step…</a:t>
             </a:r>
             <a:endParaRPr lang="en-US" dirty="0"/>
           </a:p>
@@ -4383,14 +4421,14 @@
               <a:buNone/>
             </a:pPr>
             <a:r>
-              <a:rPr lang="en-US" dirty="0" smtClean="0">
+              <a:rPr lang="en-US" sz="1600" dirty="0" smtClean="0">
                 <a:solidFill>
                   <a:srgbClr val="222222"/>
                 </a:solidFill>
                 <a:highlight>
                   <a:srgbClr val="FFFFFF"/>
                 </a:highlight>
-                <a:latin typeface="Lato"/>
+                <a:latin typeface="Bahnschrift" pitchFamily="34" charset="0"/>
                 <a:ea typeface="Lato"/>
                 <a:cs typeface="Lato"/>
                 <a:sym typeface="Lato"/>
@@ -4416,14 +4454,14 @@
               <a:buFont typeface="Arial"/>
               <a:buNone/>
             </a:pPr>
-            <a:endParaRPr lang="en-US" dirty="0">
+            <a:endParaRPr lang="en-US" sz="1600" dirty="0">
               <a:solidFill>
                 <a:srgbClr val="222222"/>
               </a:solidFill>
               <a:highlight>
                 <a:srgbClr val="FFFFFF"/>
               </a:highlight>
-              <a:latin typeface="Lato"/>
+              <a:latin typeface="Bahnschrift" pitchFamily="34" charset="0"/>
               <a:ea typeface="Lato"/>
               <a:cs typeface="Lato"/>
               <a:sym typeface="Lato"/>
@@ -4448,14 +4486,14 @@
               <a:buNone/>
             </a:pPr>
             <a:r>
-              <a:rPr lang="en-US" dirty="0" smtClean="0">
+              <a:rPr lang="en-US" sz="1600" dirty="0" smtClean="0">
                 <a:solidFill>
                   <a:srgbClr val="222222"/>
                 </a:solidFill>
                 <a:highlight>
                   <a:srgbClr val="FFFFFF"/>
                 </a:highlight>
-                <a:latin typeface="Lato"/>
+                <a:latin typeface="Bahnschrift" pitchFamily="34" charset="0"/>
                 <a:ea typeface="Lato"/>
                 <a:cs typeface="Lato"/>
                 <a:sym typeface="Lato"/>
@@ -4481,14 +4519,14 @@
               <a:buFont typeface="Arial"/>
               <a:buNone/>
             </a:pPr>
-            <a:endParaRPr lang="en-US" dirty="0">
+            <a:endParaRPr lang="en-US" sz="1600" dirty="0">
               <a:solidFill>
                 <a:srgbClr val="222222"/>
               </a:solidFill>
               <a:highlight>
                 <a:srgbClr val="FFFFFF"/>
               </a:highlight>
-              <a:latin typeface="Lato"/>
+              <a:latin typeface="Bahnschrift" pitchFamily="34" charset="0"/>
               <a:ea typeface="Lato"/>
               <a:cs typeface="Lato"/>
               <a:sym typeface="Lato"/>
@@ -4502,14 +4540,14 @@
               <a:buSzPts val="1400"/>
             </a:pPr>
             <a:r>
-              <a:rPr lang="en" dirty="0" smtClean="0">
+              <a:rPr lang="en" sz="1600" dirty="0" smtClean="0">
                 <a:solidFill>
                   <a:srgbClr val="222222"/>
                 </a:solidFill>
                 <a:highlight>
                   <a:srgbClr val="FFFFFF"/>
                 </a:highlight>
-                <a:latin typeface="Lato"/>
+                <a:latin typeface="Bahnschrift" pitchFamily="34" charset="0"/>
                 <a:ea typeface="Lato"/>
                 <a:cs typeface="Lato"/>
                 <a:sym typeface="Lato"/>
@@ -4517,28 +4555,36 @@
               <a:t>Earning carbon credits and carbon </a:t>
             </a:r>
             <a:r>
-              <a:rPr lang="en-US" dirty="0" smtClean="0">
+              <a:rPr lang="en-US" sz="1600" dirty="0" smtClean="0">
                 <a:solidFill>
                   <a:srgbClr val="222222"/>
                 </a:solidFill>
                 <a:highlight>
                   <a:srgbClr val="FFFFFF"/>
                 </a:highlight>
-                <a:latin typeface="Lato"/>
+                <a:latin typeface="Bahnschrift" pitchFamily="34" charset="0"/>
                 <a:ea typeface="Lato"/>
                 <a:cs typeface="Lato"/>
                 <a:sym typeface="Lato"/>
               </a:rPr>
               <a:t>sequestration is the only way they can achieve their goal. So plant trees ! </a:t>
             </a:r>
-            <a:endParaRPr lang="en-US" dirty="0" smtClean="0">
+          </a:p>
+          <a:p>
+            <a:pPr lvl="0">
+              <a:buClr>
+                <a:srgbClr val="000000"/>
+              </a:buClr>
+              <a:buSzPts val="1400"/>
+            </a:pPr>
+            <a:endParaRPr lang="en-US" sz="1600" dirty="0" smtClean="0">
               <a:solidFill>
                 <a:srgbClr val="222222"/>
               </a:solidFill>
               <a:highlight>
                 <a:srgbClr val="FFFFFF"/>
               </a:highlight>
-              <a:latin typeface="Lato"/>
+              <a:latin typeface="Bahnschrift" pitchFamily="34" charset="0"/>
               <a:ea typeface="Lato"/>
               <a:cs typeface="Lato"/>
               <a:sym typeface="Lato"/>
@@ -4551,14 +4597,55 @@
               </a:buClr>
               <a:buSzPts val="1400"/>
             </a:pPr>
-            <a:endParaRPr lang="en-US" dirty="0" smtClean="0">
+            <a:r>
+              <a:rPr lang="en-US" sz="1600" dirty="0" smtClean="0">
+                <a:solidFill>
+                  <a:srgbClr val="222222"/>
+                </a:solidFill>
+                <a:highlight>
+                  <a:srgbClr val="FFFFFF"/>
+                </a:highlight>
+                <a:latin typeface="Bahnschrift" pitchFamily="34" charset="0"/>
+                <a:ea typeface="Lato"/>
+                <a:cs typeface="Lato"/>
+                <a:sym typeface="Lato"/>
+              </a:rPr>
+              <a:t>Plant trees with your cloud provider by choosing online how many plants you want to invest in and in which part of world w</a:t>
+            </a:r>
+            <a:r>
+              <a:rPr lang="en-US" sz="1600" dirty="0" smtClean="0">
+                <a:solidFill>
+                  <a:srgbClr val="222222"/>
+                </a:solidFill>
+                <a:highlight>
+                  <a:srgbClr val="FFFFFF"/>
+                </a:highlight>
+                <a:latin typeface="Bahnschrift" pitchFamily="34" charset="0"/>
+                <a:ea typeface="Lato"/>
+                <a:cs typeface="Lato"/>
+                <a:sym typeface="Lato"/>
+              </a:rPr>
+              <a:t>hich can be incorporated Environmental Credit service in Azure and can pay for their plantation requests along with other expenses in Azure.</a:t>
+            </a:r>
+            <a:endParaRPr lang="en-US" sz="1600" dirty="0" smtClean="0">
+              <a:latin typeface="Bahnschrift" pitchFamily="34" charset="0"/>
+            </a:endParaRPr>
+          </a:p>
+          <a:p>
+            <a:pPr lvl="0">
+              <a:buClr>
+                <a:srgbClr val="000000"/>
+              </a:buClr>
+              <a:buSzPts val="1400"/>
+            </a:pPr>
+            <a:endParaRPr lang="en-US" sz="1600" dirty="0" smtClean="0">
               <a:solidFill>
                 <a:srgbClr val="222222"/>
               </a:solidFill>
               <a:highlight>
                 <a:srgbClr val="FFFFFF"/>
               </a:highlight>
-              <a:latin typeface="Lato"/>
+              <a:latin typeface="Bahnschrift" pitchFamily="34" charset="0"/>
               <a:ea typeface="Lato"/>
               <a:cs typeface="Lato"/>
               <a:sym typeface="Lato"/>
@@ -4572,126 +4659,43 @@
               <a:buSzPts val="1400"/>
             </a:pPr>
             <a:r>
-              <a:rPr lang="en-US" dirty="0" smtClean="0">
+              <a:rPr lang="en-US" sz="1600" dirty="0" smtClean="0">
                 <a:solidFill>
                   <a:srgbClr val="222222"/>
                 </a:solidFill>
                 <a:highlight>
                   <a:srgbClr val="FFFFFF"/>
                 </a:highlight>
-                <a:latin typeface="Lato"/>
+                <a:latin typeface="Bahnschrift" pitchFamily="34" charset="0"/>
                 <a:ea typeface="Lato"/>
                 <a:cs typeface="Lato"/>
                 <a:sym typeface="Lato"/>
               </a:rPr>
-              <a:t>Plant trees with your cloud provider by choosing online how many plants </a:t>
-            </a:r>
-            <a:r>
-              <a:rPr lang="en-US" dirty="0" smtClean="0">
+              <a:t>Moretrees.com partners with many tree plantation companies in background and help grow and maintain </a:t>
+            </a:r>
+            <a:r>
+              <a:rPr lang="en-US" sz="1600" dirty="0" smtClean="0">
                 <a:solidFill>
                   <a:srgbClr val="222222"/>
                 </a:solidFill>
                 <a:highlight>
                   <a:srgbClr val="FFFFFF"/>
                 </a:highlight>
-                <a:latin typeface="Lato"/>
+                <a:latin typeface="Bahnschrift" pitchFamily="34" charset="0"/>
                 <a:ea typeface="Lato"/>
                 <a:cs typeface="Lato"/>
                 <a:sym typeface="Lato"/>
               </a:rPr>
-              <a:t>you want to invest in and in which part of world using </a:t>
-            </a:r>
-            <a:r>
-              <a:rPr lang="en-US" dirty="0" smtClean="0">
-                <a:hlinkClick r:id="rId2"/>
-              </a:rPr>
-              <a:t>Tree planting &amp; tree gifting API user guide | (</a:t>
-            </a:r>
-            <a:r>
-              <a:rPr lang="en-US" dirty="0" err="1" smtClean="0">
-                <a:hlinkClick r:id="rId2"/>
-              </a:rPr>
-              <a:t>more:trees</a:t>
-            </a:r>
-            <a:r>
-              <a:rPr lang="en-US" dirty="0" smtClean="0">
-                <a:hlinkClick r:id="rId2"/>
-              </a:rPr>
-              <a:t>) (moretrees.eco</a:t>
-            </a:r>
-            <a:r>
-              <a:rPr lang="en-US" dirty="0" smtClean="0">
-                <a:hlinkClick r:id="rId2"/>
-              </a:rPr>
-              <a:t>)</a:t>
-            </a:r>
-            <a:endParaRPr lang="en-US" dirty="0" smtClean="0"/>
-          </a:p>
-          <a:p>
-            <a:pPr lvl="0">
-              <a:buClr>
-                <a:srgbClr val="000000"/>
-              </a:buClr>
-              <a:buSzPts val="1400"/>
-            </a:pPr>
-            <a:endParaRPr lang="en-US" dirty="0" smtClean="0">
+              <a:t>trees. They do provide tracking mechanism to track progress of trees planted … so its not just tree plantation drive, they maintain trees as well. This provide jobs to many poor and needy people in area and improve their living conditions. </a:t>
+            </a:r>
+            <a:endParaRPr lang="en-US" sz="1600" dirty="0" smtClean="0">
               <a:solidFill>
                 <a:srgbClr val="222222"/>
               </a:solidFill>
               <a:highlight>
                 <a:srgbClr val="FFFFFF"/>
               </a:highlight>
-              <a:latin typeface="Lato"/>
-              <a:ea typeface="Lato"/>
-              <a:cs typeface="Lato"/>
-              <a:sym typeface="Lato"/>
-            </a:endParaRPr>
-          </a:p>
-          <a:p>
-            <a:pPr lvl="0">
-              <a:buClr>
-                <a:srgbClr val="000000"/>
-              </a:buClr>
-              <a:buSzPts val="1400"/>
-            </a:pPr>
-            <a:r>
-              <a:rPr lang="en-US" dirty="0" smtClean="0">
-                <a:solidFill>
-                  <a:srgbClr val="222222"/>
-                </a:solidFill>
-                <a:highlight>
-                  <a:srgbClr val="FFFFFF"/>
-                </a:highlight>
-                <a:latin typeface="Lato"/>
-                <a:ea typeface="Lato"/>
-                <a:cs typeface="Lato"/>
-                <a:sym typeface="Lato"/>
-              </a:rPr>
-              <a:t>Moretrees.com partners with many tree plantation companies in background and help grow and maintain trees </a:t>
-            </a:r>
-            <a:r>
-              <a:rPr lang="en-US" dirty="0" smtClean="0">
-                <a:solidFill>
-                  <a:srgbClr val="222222"/>
-                </a:solidFill>
-                <a:highlight>
-                  <a:srgbClr val="FFFFFF"/>
-                </a:highlight>
-                <a:latin typeface="Lato"/>
-                <a:ea typeface="Lato"/>
-                <a:cs typeface="Lato"/>
-                <a:sym typeface="Lato"/>
-              </a:rPr>
-              <a:t> </a:t>
-            </a:r>
-            <a:endParaRPr lang="en-US" dirty="0" smtClean="0">
-              <a:solidFill>
-                <a:srgbClr val="222222"/>
-              </a:solidFill>
-              <a:highlight>
-                <a:srgbClr val="FFFFFF"/>
-              </a:highlight>
-              <a:latin typeface="Lato"/>
+              <a:latin typeface="Bahnschrift" pitchFamily="34" charset="0"/>
               <a:ea typeface="Lato"/>
               <a:cs typeface="Lato"/>
               <a:sym typeface="Lato"/>
@@ -4938,14 +4942,14 @@
               <a:buSzPts val="1400"/>
             </a:pPr>
             <a:r>
-              <a:rPr lang="en-US" dirty="0" smtClean="0">
+              <a:rPr lang="en-US" sz="1600" dirty="0" smtClean="0">
                 <a:solidFill>
                   <a:srgbClr val="222222"/>
                 </a:solidFill>
                 <a:highlight>
                   <a:srgbClr val="FFFFFF"/>
                 </a:highlight>
-                <a:latin typeface="Lato"/>
+                <a:latin typeface="Bahnschrift" pitchFamily="34" charset="0"/>
                 <a:ea typeface="Lato"/>
                 <a:cs typeface="Lato"/>
                 <a:sym typeface="Lato"/>
@@ -4953,34 +4957,34 @@
               <a:t>Moretrees.eco provides different ways to connect with them and place order for planting trees. They also provide a fancy </a:t>
             </a:r>
             <a:r>
-              <a:rPr lang="en-US" dirty="0" err="1" smtClean="0">
+              <a:rPr lang="en-US" sz="1600" dirty="0" smtClean="0">
                 <a:solidFill>
                   <a:srgbClr val="222222"/>
                 </a:solidFill>
                 <a:highlight>
                   <a:srgbClr val="FFFFFF"/>
                 </a:highlight>
-                <a:latin typeface="Lato"/>
+                <a:latin typeface="Bahnschrift" pitchFamily="34" charset="0"/>
                 <a:ea typeface="Lato"/>
                 <a:cs typeface="Lato"/>
                 <a:sym typeface="Lato"/>
               </a:rPr>
-              <a:t>dashbord</a:t>
-            </a:r>
-            <a:r>
-              <a:rPr lang="en-US" dirty="0" smtClean="0">
+              <a:t>dashboard </a:t>
+            </a:r>
+            <a:r>
+              <a:rPr lang="en-US" sz="1600" dirty="0" smtClean="0">
                 <a:solidFill>
                   <a:srgbClr val="222222"/>
                 </a:solidFill>
                 <a:highlight>
                   <a:srgbClr val="FFFFFF"/>
                 </a:highlight>
-                <a:latin typeface="Lato"/>
+                <a:latin typeface="Bahnschrift" pitchFamily="34" charset="0"/>
                 <a:ea typeface="Lato"/>
                 <a:cs typeface="Lato"/>
                 <a:sym typeface="Lato"/>
               </a:rPr>
-              <a:t> to let customer know the status of plants, carbon credit they have earned and so on.</a:t>
+              <a:t>to let customer know the status of plants, carbon credit they have earned and so on.</a:t>
             </a:r>
           </a:p>
           <a:p>
@@ -4990,14 +4994,14 @@
               </a:buClr>
               <a:buSzPts val="1400"/>
             </a:pPr>
-            <a:endParaRPr lang="en-US" dirty="0" smtClean="0">
+            <a:endParaRPr lang="en-US" sz="1600" dirty="0" smtClean="0">
               <a:solidFill>
                 <a:srgbClr val="222222"/>
               </a:solidFill>
               <a:highlight>
                 <a:srgbClr val="FFFFFF"/>
               </a:highlight>
-              <a:latin typeface="Lato"/>
+              <a:latin typeface="Bahnschrift" pitchFamily="34" charset="0"/>
               <a:ea typeface="Lato"/>
               <a:cs typeface="Lato"/>
               <a:sym typeface="Lato"/>
@@ -5011,14 +5015,14 @@
               <a:buSzPts val="1400"/>
             </a:pPr>
             <a:r>
-              <a:rPr lang="en-US" dirty="0" smtClean="0">
+              <a:rPr lang="en-US" sz="1600" dirty="0" smtClean="0">
                 <a:solidFill>
                   <a:srgbClr val="222222"/>
                 </a:solidFill>
                 <a:highlight>
                   <a:srgbClr val="FFFFFF"/>
                 </a:highlight>
-                <a:latin typeface="Lato"/>
+                <a:latin typeface="Bahnschrift" pitchFamily="34" charset="0"/>
                 <a:ea typeface="Lato"/>
                 <a:cs typeface="Lato"/>
                 <a:sym typeface="Lato"/>
@@ -5034,34 +5038,72 @@
               <a:buSzPts val="1400"/>
             </a:pPr>
             <a:r>
-              <a:rPr lang="en-US" dirty="0" smtClean="0">
+              <a:rPr lang="en-US" sz="1600" dirty="0" smtClean="0">
                 <a:solidFill>
                   <a:srgbClr val="222222"/>
                 </a:solidFill>
                 <a:highlight>
                   <a:srgbClr val="FFFFFF"/>
                 </a:highlight>
-                <a:latin typeface="Lato"/>
+                <a:latin typeface="Bahnschrift" pitchFamily="34" charset="0"/>
                 <a:ea typeface="Lato"/>
                 <a:cs typeface="Lato"/>
                 <a:sym typeface="Lato"/>
               </a:rPr>
-              <a:t>	</a:t>
-            </a:r>
-            <a:r>
-              <a:rPr lang="en-US" dirty="0" smtClean="0">
+              <a:t>	1. APIs</a:t>
+            </a:r>
+          </a:p>
+          <a:p>
+            <a:pPr lvl="0">
+              <a:buClr>
+                <a:srgbClr val="000000"/>
+              </a:buClr>
+              <a:buSzPts val="1400"/>
+            </a:pPr>
+            <a:r>
+              <a:rPr lang="en-US" sz="1600" dirty="0" smtClean="0">
                 <a:solidFill>
                   <a:srgbClr val="222222"/>
                 </a:solidFill>
                 <a:highlight>
                   <a:srgbClr val="FFFFFF"/>
                 </a:highlight>
-                <a:latin typeface="Lato"/>
+                <a:latin typeface="Bahnschrift" pitchFamily="34" charset="0"/>
                 <a:ea typeface="Lato"/>
                 <a:cs typeface="Lato"/>
                 <a:sym typeface="Lato"/>
               </a:rPr>
-              <a:t>1. APIs</a:t>
+              <a:t>	2. </a:t>
+            </a:r>
+            <a:r>
+              <a:rPr lang="en-US" sz="1600" dirty="0" err="1" smtClean="0">
+                <a:solidFill>
+                  <a:srgbClr val="222222"/>
+                </a:solidFill>
+                <a:highlight>
+                  <a:srgbClr val="FFFFFF"/>
+                </a:highlight>
+                <a:latin typeface="Bahnschrift" pitchFamily="34" charset="0"/>
+                <a:ea typeface="Lato"/>
+                <a:cs typeface="Lato"/>
+                <a:sym typeface="Lato"/>
+              </a:rPr>
+              <a:t>Zapier</a:t>
+            </a:r>
+            <a:r>
+              <a:rPr lang="en-US" sz="1600" dirty="0" smtClean="0">
+                <a:solidFill>
+                  <a:srgbClr val="222222"/>
+                </a:solidFill>
+                <a:highlight>
+                  <a:srgbClr val="FFFFFF"/>
+                </a:highlight>
+                <a:latin typeface="Bahnschrift" pitchFamily="34" charset="0"/>
+                <a:ea typeface="Lato"/>
+                <a:cs typeface="Lato"/>
+                <a:sym typeface="Lato"/>
+              </a:rPr>
+              <a:t> (workflow automation)</a:t>
             </a:r>
           </a:p>
           <a:p>
@@ -5072,65 +5114,202 @@
               <a:buSzPts val="1400"/>
             </a:pPr>
             <a:r>
-              <a:rPr lang="en-US" dirty="0" smtClean="0">
+              <a:rPr lang="en-US" sz="1600" dirty="0" smtClean="0">
                 <a:solidFill>
                   <a:srgbClr val="222222"/>
                 </a:solidFill>
                 <a:highlight>
                   <a:srgbClr val="FFFFFF"/>
                 </a:highlight>
-                <a:latin typeface="Lato"/>
+                <a:latin typeface="Bahnschrift" pitchFamily="34" charset="0"/>
                 <a:ea typeface="Lato"/>
                 <a:cs typeface="Lato"/>
                 <a:sym typeface="Lato"/>
               </a:rPr>
-              <a:t>	</a:t>
-            </a:r>
-            <a:r>
-              <a:rPr lang="en-US" dirty="0" smtClean="0">
+              <a:t>	3. IFTTT</a:t>
+            </a:r>
+          </a:p>
+          <a:p>
+            <a:pPr lvl="0">
+              <a:buClr>
+                <a:srgbClr val="000000"/>
+              </a:buClr>
+              <a:buSzPts val="1400"/>
+            </a:pPr>
+            <a:endParaRPr lang="en-US" sz="1600" dirty="0" smtClean="0">
+              <a:solidFill>
+                <a:srgbClr val="222222"/>
+              </a:solidFill>
+              <a:highlight>
+                <a:srgbClr val="FFFFFF"/>
+              </a:highlight>
+              <a:latin typeface="Bahnschrift" pitchFamily="34" charset="0"/>
+              <a:ea typeface="Lato"/>
+              <a:cs typeface="Lato"/>
+              <a:sym typeface="Lato"/>
+            </a:endParaRPr>
+          </a:p>
+          <a:p>
+            <a:pPr lvl="0">
+              <a:buClr>
+                <a:srgbClr val="000000"/>
+              </a:buClr>
+              <a:buSzPts val="1400"/>
+            </a:pPr>
+            <a:r>
+              <a:rPr lang="en-US" sz="1600" dirty="0" smtClean="0">
                 <a:solidFill>
                   <a:srgbClr val="222222"/>
                 </a:solidFill>
                 <a:highlight>
                   <a:srgbClr val="FFFFFF"/>
                 </a:highlight>
-                <a:latin typeface="Lato"/>
+                <a:latin typeface="Bahnschrift" pitchFamily="34" charset="0"/>
                 <a:ea typeface="Lato"/>
                 <a:cs typeface="Lato"/>
                 <a:sym typeface="Lato"/>
               </a:rPr>
-              <a:t>2. </a:t>
-            </a:r>
-            <a:r>
-              <a:rPr lang="en-US" dirty="0" err="1" smtClean="0">
+              <a:t>Details can be found at :  </a:t>
+            </a:r>
+            <a:r>
+              <a:rPr lang="en-US" sz="1600" dirty="0" smtClean="0">
+                <a:latin typeface="Bahnschrift" pitchFamily="34" charset="0"/>
+                <a:hlinkClick r:id="rId2"/>
+              </a:rPr>
+              <a:t>Tree planting &amp; tree gifting API user guide | (</a:t>
+            </a:r>
+            <a:r>
+              <a:rPr lang="en-US" sz="1600" dirty="0" err="1" smtClean="0">
+                <a:latin typeface="Bahnschrift" pitchFamily="34" charset="0"/>
+                <a:hlinkClick r:id="rId2"/>
+              </a:rPr>
+              <a:t>more:trees</a:t>
+            </a:r>
+            <a:r>
+              <a:rPr lang="en-US" sz="1600" dirty="0" smtClean="0">
+                <a:latin typeface="Bahnschrift" pitchFamily="34" charset="0"/>
+                <a:hlinkClick r:id="rId2"/>
+              </a:rPr>
+              <a:t>) (moretrees.eco)</a:t>
+            </a:r>
+            <a:endParaRPr lang="en-US" sz="1600" dirty="0" smtClean="0">
+              <a:latin typeface="Bahnschrift" pitchFamily="34" charset="0"/>
+            </a:endParaRPr>
+          </a:p>
+          <a:p>
+            <a:pPr lvl="0">
+              <a:buClr>
+                <a:srgbClr val="000000"/>
+              </a:buClr>
+              <a:buSzPts val="1400"/>
+            </a:pPr>
+            <a:endParaRPr lang="en-US" sz="1600" dirty="0" smtClean="0">
+              <a:solidFill>
+                <a:srgbClr val="222222"/>
+              </a:solidFill>
+              <a:highlight>
+                <a:srgbClr val="FFFFFF"/>
+              </a:highlight>
+              <a:latin typeface="Bahnschrift" pitchFamily="34" charset="0"/>
+              <a:ea typeface="Lato"/>
+              <a:cs typeface="Lato"/>
+              <a:sym typeface="Lato"/>
+            </a:endParaRPr>
+          </a:p>
+          <a:p>
+            <a:pPr lvl="0">
+              <a:buClr>
+                <a:srgbClr val="000000"/>
+              </a:buClr>
+              <a:buSzPts val="1400"/>
+            </a:pPr>
+            <a:r>
+              <a:rPr lang="en-US" sz="1600" dirty="0" smtClean="0">
                 <a:solidFill>
                   <a:srgbClr val="222222"/>
                 </a:solidFill>
                 <a:highlight>
                   <a:srgbClr val="FFFFFF"/>
                 </a:highlight>
-                <a:latin typeface="Lato"/>
+                <a:latin typeface="Bahnschrift" pitchFamily="34" charset="0"/>
                 <a:ea typeface="Lato"/>
                 <a:cs typeface="Lato"/>
                 <a:sym typeface="Lato"/>
               </a:rPr>
-              <a:t>Zapier</a:t>
-            </a:r>
-            <a:r>
-              <a:rPr lang="en-US" dirty="0" smtClean="0">
+              <a:t>They also provide a dashboard to track status of the order, plants you have planted so far, total credits earn, </a:t>
+            </a:r>
+            <a:r>
+              <a:rPr lang="en-US" sz="1600" dirty="0" smtClean="0">
                 <a:solidFill>
                   <a:srgbClr val="222222"/>
                 </a:solidFill>
                 <a:highlight>
                   <a:srgbClr val="FFFFFF"/>
                 </a:highlight>
-                <a:latin typeface="Lato"/>
+                <a:latin typeface="Bahnschrift" pitchFamily="34" charset="0"/>
                 <a:ea typeface="Lato"/>
                 <a:cs typeface="Lato"/>
                 <a:sym typeface="Lato"/>
               </a:rPr>
-              <a:t> (workflow automation)</a:t>
-            </a:r>
+              <a:t>etc. </a:t>
+            </a:r>
+            <a:r>
+              <a:rPr lang="en-US" sz="1600" dirty="0" smtClean="0">
+                <a:solidFill>
+                  <a:srgbClr val="222222"/>
+                </a:solidFill>
+                <a:highlight>
+                  <a:srgbClr val="FFFFFF"/>
+                </a:highlight>
+                <a:latin typeface="Bahnschrift" pitchFamily="34" charset="0"/>
+                <a:ea typeface="Lato"/>
+                <a:cs typeface="Lato"/>
+                <a:sym typeface="Lato"/>
+              </a:rPr>
+              <a:t>Customer can be billed for their plantation request. Depending on the data returned by </a:t>
+            </a:r>
+            <a:r>
+              <a:rPr lang="en-US" sz="1600" dirty="0" err="1" smtClean="0">
+                <a:solidFill>
+                  <a:srgbClr val="222222"/>
+                </a:solidFill>
+                <a:highlight>
+                  <a:srgbClr val="FFFFFF"/>
+                </a:highlight>
+                <a:latin typeface="Bahnschrift" pitchFamily="34" charset="0"/>
+                <a:ea typeface="Lato"/>
+                <a:cs typeface="Lato"/>
+                <a:sym typeface="Lato"/>
+              </a:rPr>
+              <a:t>moretrees</a:t>
+            </a:r>
+            <a:r>
+              <a:rPr lang="en-US" sz="1600" dirty="0" smtClean="0">
+                <a:solidFill>
+                  <a:srgbClr val="222222"/>
+                </a:solidFill>
+                <a:highlight>
+                  <a:srgbClr val="FFFFFF"/>
+                </a:highlight>
+                <a:latin typeface="Bahnschrift" pitchFamily="34" charset="0"/>
+                <a:ea typeface="Lato"/>
+                <a:cs typeface="Lato"/>
+                <a:sym typeface="Lato"/>
+              </a:rPr>
+              <a:t> APIs , MS sustainability data model can be enriched and end customers can be provided information on dashboard.</a:t>
+            </a:r>
+            <a:endParaRPr lang="en-US" sz="1600" dirty="0" smtClean="0">
+              <a:solidFill>
+                <a:srgbClr val="222222"/>
+              </a:solidFill>
+              <a:highlight>
+                <a:srgbClr val="FFFFFF"/>
+              </a:highlight>
+              <a:latin typeface="Bahnschrift" pitchFamily="34" charset="0"/>
+              <a:ea typeface="Lato"/>
+              <a:cs typeface="Lato"/>
+              <a:sym typeface="Lato"/>
+            </a:endParaRPr>
           </a:p>
           <a:p>
             <a:pPr lvl="0">
@@ -5139,256 +5318,80 @@
               </a:buClr>
               <a:buSzPts val="1400"/>
             </a:pPr>
-            <a:r>
-              <a:rPr lang="en-US" dirty="0" smtClean="0">
+            <a:endParaRPr lang="en-US" sz="1600" dirty="0" smtClean="0">
+              <a:solidFill>
+                <a:srgbClr val="222222"/>
+              </a:solidFill>
+              <a:highlight>
+                <a:srgbClr val="FFFFFF"/>
+              </a:highlight>
+              <a:latin typeface="Bahnschrift" pitchFamily="34" charset="0"/>
+              <a:ea typeface="Lato"/>
+              <a:cs typeface="Lato"/>
+              <a:sym typeface="Lato"/>
+            </a:endParaRPr>
+          </a:p>
+          <a:p>
+            <a:pPr lvl="0">
+              <a:buClr>
+                <a:srgbClr val="000000"/>
+              </a:buClr>
+              <a:buSzPts val="1400"/>
+            </a:pPr>
+            <a:r>
+              <a:rPr lang="en-US" sz="1600" dirty="0" smtClean="0">
                 <a:solidFill>
                   <a:srgbClr val="222222"/>
                 </a:solidFill>
                 <a:highlight>
                   <a:srgbClr val="FFFFFF"/>
                 </a:highlight>
-                <a:latin typeface="Lato"/>
+                <a:latin typeface="Bahnschrift" pitchFamily="34" charset="0"/>
                 <a:ea typeface="Lato"/>
                 <a:cs typeface="Lato"/>
                 <a:sym typeface="Lato"/>
               </a:rPr>
-              <a:t>	</a:t>
-            </a:r>
-            <a:r>
-              <a:rPr lang="en-US" dirty="0" smtClean="0">
-                <a:solidFill>
-                  <a:srgbClr val="222222"/>
-                </a:solidFill>
-                <a:highlight>
-                  <a:srgbClr val="FFFFFF"/>
-                </a:highlight>
-                <a:latin typeface="Lato"/>
-                <a:ea typeface="Lato"/>
-                <a:cs typeface="Lato"/>
-                <a:sym typeface="Lato"/>
-              </a:rPr>
-              <a:t>3. IFTTT</a:t>
-            </a:r>
-            <a:endParaRPr lang="en-US" dirty="0" smtClean="0">
+              <a:t>By planting trees you help sequester CO2 emissions while providing co-benefits such as water filtration, shelter, food sources, poverty alleviation and biodiversity.</a:t>
+            </a:r>
+            <a:endParaRPr lang="en-US" sz="1600" dirty="0">
               <a:solidFill>
                 <a:srgbClr val="222222"/>
               </a:solidFill>
               <a:highlight>
                 <a:srgbClr val="FFFFFF"/>
               </a:highlight>
-              <a:latin typeface="Lato"/>
+              <a:latin typeface="Bahnschrift" pitchFamily="34" charset="0"/>
               <a:ea typeface="Lato"/>
               <a:cs typeface="Lato"/>
               <a:sym typeface="Lato"/>
             </a:endParaRPr>
           </a:p>
           <a:p>
-            <a:pPr lvl="0">
+            <a:pPr marL="0" marR="0" lvl="0" indent="0" algn="l" rtl="0">
+              <a:lnSpc>
+                <a:spcPct val="100000"/>
+              </a:lnSpc>
+              <a:spcBef>
+                <a:spcPts val="0"/>
+              </a:spcBef>
+              <a:spcAft>
+                <a:spcPts val="0"/>
+              </a:spcAft>
               <a:buClr>
                 <a:srgbClr val="000000"/>
               </a:buClr>
               <a:buSzPts val="1400"/>
+              <a:buFont typeface="Arial"/>
+              <a:buNone/>
             </a:pPr>
-            <a:endParaRPr lang="en-US" dirty="0" smtClean="0">
+            <a:endParaRPr lang="en-US" sz="1600" dirty="0" smtClean="0">
               <a:solidFill>
                 <a:srgbClr val="222222"/>
               </a:solidFill>
               <a:highlight>
                 <a:srgbClr val="FFFFFF"/>
               </a:highlight>
-              <a:latin typeface="Lato"/>
-              <a:ea typeface="Lato"/>
-              <a:cs typeface="Lato"/>
-              <a:sym typeface="Lato"/>
-            </a:endParaRPr>
-          </a:p>
-          <a:p>
-            <a:pPr lvl="0">
-              <a:buClr>
-                <a:srgbClr val="000000"/>
-              </a:buClr>
-              <a:buSzPts val="1400"/>
-            </a:pPr>
-            <a:r>
-              <a:rPr lang="en-US" dirty="0" smtClean="0">
-                <a:solidFill>
-                  <a:srgbClr val="222222"/>
-                </a:solidFill>
-                <a:highlight>
-                  <a:srgbClr val="FFFFFF"/>
-                </a:highlight>
-                <a:latin typeface="Lato"/>
-                <a:ea typeface="Lato"/>
-                <a:cs typeface="Lato"/>
-                <a:sym typeface="Lato"/>
-              </a:rPr>
-              <a:t>Details can be found at : </a:t>
-            </a:r>
-            <a:r>
-              <a:rPr lang="en-US" dirty="0" smtClean="0">
-                <a:solidFill>
-                  <a:srgbClr val="222222"/>
-                </a:solidFill>
-                <a:highlight>
-                  <a:srgbClr val="FFFFFF"/>
-                </a:highlight>
-                <a:latin typeface="Lato"/>
-                <a:ea typeface="Lato"/>
-                <a:cs typeface="Lato"/>
-                <a:sym typeface="Lato"/>
-              </a:rPr>
-              <a:t> </a:t>
-            </a:r>
-            <a:r>
-              <a:rPr lang="en-US" dirty="0" smtClean="0">
-                <a:hlinkClick r:id="rId2"/>
-              </a:rPr>
-              <a:t>Tree planting &amp; tree gifting API user guide | (</a:t>
-            </a:r>
-            <a:r>
-              <a:rPr lang="en-US" dirty="0" err="1" smtClean="0">
-                <a:hlinkClick r:id="rId2"/>
-              </a:rPr>
-              <a:t>more:trees</a:t>
-            </a:r>
-            <a:r>
-              <a:rPr lang="en-US" dirty="0" smtClean="0">
-                <a:hlinkClick r:id="rId2"/>
-              </a:rPr>
-              <a:t>) (moretrees.eco</a:t>
-            </a:r>
-            <a:r>
-              <a:rPr lang="en-US" dirty="0" smtClean="0">
-                <a:hlinkClick r:id="rId2"/>
-              </a:rPr>
-              <a:t>)</a:t>
-            </a:r>
-            <a:endParaRPr lang="en-US" dirty="0" smtClean="0"/>
-          </a:p>
-          <a:p>
-            <a:pPr lvl="0">
-              <a:buClr>
-                <a:srgbClr val="000000"/>
-              </a:buClr>
-              <a:buSzPts val="1400"/>
-            </a:pPr>
-            <a:endParaRPr lang="en-US" dirty="0" smtClean="0">
-              <a:solidFill>
-                <a:srgbClr val="222222"/>
-              </a:solidFill>
-              <a:highlight>
-                <a:srgbClr val="FFFFFF"/>
-              </a:highlight>
-              <a:latin typeface="Lato"/>
-              <a:ea typeface="Lato"/>
-              <a:cs typeface="Lato"/>
-              <a:sym typeface="Lato"/>
-            </a:endParaRPr>
-          </a:p>
-          <a:p>
-            <a:pPr lvl="0">
-              <a:buClr>
-                <a:srgbClr val="000000"/>
-              </a:buClr>
-              <a:buSzPts val="1400"/>
-            </a:pPr>
-            <a:r>
-              <a:rPr lang="en-US" dirty="0" smtClean="0">
-                <a:solidFill>
-                  <a:srgbClr val="222222"/>
-                </a:solidFill>
-                <a:highlight>
-                  <a:srgbClr val="FFFFFF"/>
-                </a:highlight>
-                <a:latin typeface="Lato"/>
-                <a:ea typeface="Lato"/>
-                <a:cs typeface="Lato"/>
-                <a:sym typeface="Lato"/>
-              </a:rPr>
-              <a:t>They also provide a dashboard to track status of the order, plants you have planted so far, total credits earn, etc.</a:t>
-            </a:r>
-          </a:p>
-          <a:p>
-            <a:pPr lvl="0">
-              <a:buClr>
-                <a:srgbClr val="000000"/>
-              </a:buClr>
-              <a:buSzPts val="1400"/>
-            </a:pPr>
-            <a:endParaRPr lang="en-US" dirty="0" smtClean="0">
-              <a:solidFill>
-                <a:srgbClr val="222222"/>
-              </a:solidFill>
-              <a:highlight>
-                <a:srgbClr val="FFFFFF"/>
-              </a:highlight>
-              <a:latin typeface="Lato"/>
-              <a:ea typeface="Lato"/>
-              <a:cs typeface="Lato"/>
-              <a:sym typeface="Lato"/>
-            </a:endParaRPr>
-          </a:p>
-          <a:p>
-            <a:pPr lvl="0">
-              <a:buClr>
-                <a:srgbClr val="000000"/>
-              </a:buClr>
-              <a:buSzPts val="1400"/>
-            </a:pPr>
-            <a:r>
-              <a:rPr lang="en-US" dirty="0" smtClean="0">
-                <a:solidFill>
-                  <a:srgbClr val="222222"/>
-                </a:solidFill>
-                <a:highlight>
-                  <a:srgbClr val="FFFFFF"/>
-                </a:highlight>
-                <a:latin typeface="Lato"/>
-                <a:ea typeface="Lato"/>
-                <a:cs typeface="Lato"/>
-                <a:sym typeface="Lato"/>
-              </a:rPr>
-              <a:t>By planting trees you help sequester CO2 emissions while providing co-benefits such as water filtration, shelter, food sources, poverty alleviation and biodiversity.</a:t>
-            </a:r>
-            <a:endParaRPr lang="en-US" dirty="0">
-              <a:solidFill>
-                <a:srgbClr val="222222"/>
-              </a:solidFill>
-              <a:highlight>
-                <a:srgbClr val="FFFFFF"/>
-              </a:highlight>
-              <a:latin typeface="Lato"/>
-              <a:ea typeface="Lato"/>
-              <a:cs typeface="Lato"/>
-              <a:sym typeface="Lato"/>
-            </a:endParaRPr>
-          </a:p>
-          <a:p>
-            <a:pPr marL="0" marR="0" lvl="0" indent="0" algn="l" rtl="0">
-              <a:lnSpc>
-                <a:spcPct val="100000"/>
-              </a:lnSpc>
-              <a:spcBef>
-                <a:spcPts val="0"/>
-              </a:spcBef>
-              <a:spcAft>
-                <a:spcPts val="0"/>
-              </a:spcAft>
-              <a:buClr>
-                <a:srgbClr val="000000"/>
-              </a:buClr>
-              <a:buSzPts val="1400"/>
-              <a:buFont typeface="Arial"/>
-              <a:buNone/>
-            </a:pPr>
-            <a:endParaRPr lang="en-US" dirty="0" smtClean="0">
-              <a:solidFill>
-                <a:srgbClr val="222222"/>
-              </a:solidFill>
-              <a:highlight>
-                <a:srgbClr val="FFFFFF"/>
-              </a:highlight>
-              <a:latin typeface="Lato"/>
+              <a:latin typeface="Bahnschrift" pitchFamily="34" charset="0"/>
               <a:ea typeface="Lato"/>
               <a:cs typeface="Lato"/>
               <a:sym typeface="Lato"/>
@@ -6032,27 +6035,12 @@
                 <a:highlight>
                   <a:srgbClr val="FFFFFF"/>
                 </a:highlight>
-                <a:latin typeface="Lato"/>
+                <a:latin typeface="Bahnschrift" pitchFamily="34" charset="0"/>
                 <a:ea typeface="Lato"/>
                 <a:cs typeface="Lato"/>
                 <a:sym typeface="Lato"/>
               </a:rPr>
-              <a:t>Obvious Climate </a:t>
-            </a:r>
-            <a:r>
-              <a:rPr lang="en-US" dirty="0" smtClean="0">
-                <a:solidFill>
-                  <a:srgbClr val="222222"/>
-                </a:solidFill>
-                <a:highlight>
-                  <a:srgbClr val="FFFFFF"/>
-                </a:highlight>
-                <a:latin typeface="Lato"/>
-                <a:ea typeface="Lato"/>
-                <a:cs typeface="Lato"/>
-                <a:sym typeface="Lato"/>
-              </a:rPr>
-              <a:t>benefits of Planting trees : </a:t>
+              <a:t>Obvious Climate benefits of Planting trees : </a:t>
             </a:r>
           </a:p>
           <a:p>
@@ -6081,7 +6069,7 @@
                 <a:highlight>
                   <a:srgbClr val="FFFFFF"/>
                 </a:highlight>
-                <a:latin typeface="Lato"/>
+                <a:latin typeface="Bahnschrift" pitchFamily="34" charset="0"/>
                 <a:ea typeface="Lato"/>
                 <a:cs typeface="Lato"/>
                 <a:sym typeface="Lato"/>
@@ -6115,7 +6103,7 @@
                 <a:highlight>
                   <a:srgbClr val="FFFFFF"/>
                 </a:highlight>
-                <a:latin typeface="Lato"/>
+                <a:latin typeface="Bahnschrift" pitchFamily="34" charset="0"/>
                 <a:ea typeface="Lato"/>
                 <a:cs typeface="Lato"/>
                 <a:sym typeface="Lato"/>
@@ -6149,7 +6137,7 @@
                 <a:highlight>
                   <a:srgbClr val="FFFFFF"/>
                 </a:highlight>
-                <a:latin typeface="Lato"/>
+                <a:latin typeface="Bahnschrift" pitchFamily="34" charset="0"/>
                 <a:ea typeface="Lato"/>
                 <a:cs typeface="Lato"/>
                 <a:sym typeface="Lato"/>
@@ -6183,7 +6171,7 @@
                 <a:highlight>
                   <a:srgbClr val="FFFFFF"/>
                 </a:highlight>
-                <a:latin typeface="Lato"/>
+                <a:latin typeface="Bahnschrift" pitchFamily="34" charset="0"/>
                 <a:ea typeface="Lato"/>
                 <a:cs typeface="Lato"/>
                 <a:sym typeface="Lato"/>
@@ -6217,7 +6205,7 @@
                 <a:highlight>
                   <a:srgbClr val="FFFFFF"/>
                 </a:highlight>
-                <a:latin typeface="Lato"/>
+                <a:latin typeface="Bahnschrift" pitchFamily="34" charset="0"/>
                 <a:ea typeface="Lato"/>
                 <a:cs typeface="Lato"/>
                 <a:sym typeface="Lato"/>
@@ -6251,7 +6239,7 @@
                 <a:highlight>
                   <a:srgbClr val="FFFFFF"/>
                 </a:highlight>
-                <a:latin typeface="Lato"/>
+                <a:latin typeface="Bahnschrift" pitchFamily="34" charset="0"/>
                 <a:ea typeface="Lato"/>
                 <a:cs typeface="Lato"/>
                 <a:sym typeface="Lato"/>
@@ -6284,7 +6272,7 @@
               <a:highlight>
                 <a:srgbClr val="FFFFFF"/>
               </a:highlight>
-              <a:latin typeface="Lato"/>
+              <a:latin typeface="Bahnschrift" pitchFamily="34" charset="0"/>
               <a:ea typeface="Lato"/>
               <a:cs typeface="Lato"/>
               <a:sym typeface="Lato"/>
@@ -6316,40 +6304,13 @@
                 <a:highlight>
                   <a:srgbClr val="FFFFFF"/>
                 </a:highlight>
-                <a:latin typeface="Lato"/>
+                <a:latin typeface="Bahnschrift" pitchFamily="34" charset="0"/>
                 <a:ea typeface="Lato"/>
                 <a:cs typeface="Lato"/>
                 <a:sym typeface="Lato"/>
               </a:rPr>
-              <a:t>Additionally </a:t>
-            </a:r>
-            <a:r>
-              <a:rPr lang="en-US" dirty="0" smtClean="0">
-                <a:solidFill>
-                  <a:srgbClr val="222222"/>
-                </a:solidFill>
-                <a:highlight>
-                  <a:srgbClr val="FFFFFF"/>
-                </a:highlight>
-                <a:latin typeface="Lato"/>
-                <a:ea typeface="Lato"/>
-                <a:cs typeface="Lato"/>
-                <a:sym typeface="Lato"/>
-              </a:rPr>
-              <a:t>Sustainability benefits</a:t>
-            </a:r>
-            <a:endParaRPr lang="en-US" dirty="0" smtClean="0">
-              <a:solidFill>
-                <a:srgbClr val="222222"/>
-              </a:solidFill>
-              <a:highlight>
-                <a:srgbClr val="FFFFFF"/>
-              </a:highlight>
-              <a:latin typeface="Lato"/>
-              <a:ea typeface="Lato"/>
-              <a:cs typeface="Lato"/>
-              <a:sym typeface="Lato"/>
-            </a:endParaRPr>
+              <a:t>Additionally Sustainability benefits</a:t>
+            </a:r>
           </a:p>
           <a:p>
             <a:pPr marL="0" marR="0" lvl="0" indent="0" algn="l" rtl="0">
@@ -6377,7 +6338,7 @@
                 <a:highlight>
                   <a:srgbClr val="FFFFFF"/>
                 </a:highlight>
-                <a:latin typeface="Lato"/>
+                <a:latin typeface="Bahnschrift" pitchFamily="34" charset="0"/>
                 <a:ea typeface="Lato"/>
                 <a:cs typeface="Lato"/>
                 <a:sym typeface="Lato"/>
@@ -6411,7 +6372,7 @@
                 <a:highlight>
                   <a:srgbClr val="FFFFFF"/>
                 </a:highlight>
-                <a:latin typeface="Lato"/>
+                <a:latin typeface="Bahnschrift" pitchFamily="34" charset="0"/>
                 <a:ea typeface="Lato"/>
                 <a:cs typeface="Lato"/>
                 <a:sym typeface="Lato"/>
@@ -6445,7 +6406,7 @@
                 <a:highlight>
                   <a:srgbClr val="FFFFFF"/>
                 </a:highlight>
-                <a:latin typeface="Lato"/>
+                <a:latin typeface="Bahnschrift" pitchFamily="34" charset="0"/>
                 <a:ea typeface="Lato"/>
                 <a:cs typeface="Lato"/>
                 <a:sym typeface="Lato"/>
@@ -6479,7 +6440,7 @@
                 <a:highlight>
                   <a:srgbClr val="FFFFFF"/>
                 </a:highlight>
-                <a:latin typeface="Lato"/>
+                <a:latin typeface="Bahnschrift" pitchFamily="34" charset="0"/>
                 <a:ea typeface="Lato"/>
                 <a:cs typeface="Lato"/>
                 <a:sym typeface="Lato"/>
@@ -6513,7 +6474,7 @@
                 <a:highlight>
                   <a:srgbClr val="FFFFFF"/>
                 </a:highlight>
-                <a:latin typeface="Lato"/>
+                <a:latin typeface="Bahnschrift" pitchFamily="34" charset="0"/>
                 <a:ea typeface="Lato"/>
                 <a:cs typeface="Lato"/>
                 <a:sym typeface="Lato"/>
@@ -6547,7 +6508,7 @@
                 <a:highlight>
                   <a:srgbClr val="FFFFFF"/>
                 </a:highlight>
-                <a:latin typeface="Lato"/>
+                <a:latin typeface="Bahnschrift" pitchFamily="34" charset="0"/>
                 <a:ea typeface="Lato"/>
                 <a:cs typeface="Lato"/>
                 <a:sym typeface="Lato"/>
@@ -6561,7 +6522,7 @@
               <a:highlight>
                 <a:srgbClr val="FFFFFF"/>
               </a:highlight>
-              <a:latin typeface="Lato"/>
+              <a:latin typeface="Bahnschrift" pitchFamily="34" charset="0"/>
               <a:ea typeface="Lato"/>
               <a:cs typeface="Lato"/>
               <a:sym typeface="Lato"/>
@@ -6592,7 +6553,7 @@
               <a:highlight>
                 <a:srgbClr val="FFFFFF"/>
               </a:highlight>
-              <a:latin typeface="Lato"/>
+              <a:latin typeface="Bahnschrift" pitchFamily="34" charset="0"/>
               <a:ea typeface="Lato"/>
               <a:cs typeface="Lato"/>
               <a:sym typeface="Lato"/>
@@ -6623,7 +6584,7 @@
               <a:highlight>
                 <a:srgbClr val="FFFFFF"/>
               </a:highlight>
-              <a:latin typeface="Lato"/>
+              <a:latin typeface="Bahnschrift" pitchFamily="34" charset="0"/>
               <a:ea typeface="Lato"/>
               <a:cs typeface="Lato"/>
               <a:sym typeface="Lato"/>
@@ -6733,7 +6694,6 @@
               <a:rPr lang="en-US" u="sng" dirty="0" smtClean="0"/>
               <a:t>OR</a:t>
             </a:r>
-            <a:endParaRPr lang="en-US" u="sng" dirty="0" smtClean="0"/>
           </a:p>
           <a:p>
             <a:pPr>
@@ -6747,15 +6707,7 @@
             </a:pPr>
             <a:r>
               <a:rPr lang="en-US" dirty="0" smtClean="0"/>
-              <a:t>Call </a:t>
-            </a:r>
-            <a:r>
-              <a:rPr lang="en-US" dirty="0" smtClean="0"/>
-              <a:t>on (UK +44) </a:t>
-            </a:r>
-            <a:r>
-              <a:rPr lang="en-US" dirty="0" smtClean="0"/>
-              <a:t>08001510751</a:t>
+              <a:t>Call on (UK +44) 08001510751</a:t>
             </a:r>
             <a:endParaRPr lang="en-US" dirty="0"/>
           </a:p>
